--- a/doc/task04/cs1_task04_Requirements-Specification.pptx
+++ b/doc/task04/cs1_task04_Requirements-Specification.pptx
@@ -6,7 +6,7 @@
     <p:sldMasterId id="2147483661" r:id="rId2"/>
   </p:sldMasterIdLst>
   <p:notesMasterIdLst>
-    <p:notesMasterId r:id="rId13"/>
+    <p:notesMasterId r:id="rId14"/>
   </p:notesMasterIdLst>
   <p:sldIdLst>
     <p:sldId id="256" r:id="rId3"/>
@@ -18,7 +18,8 @@
     <p:sldId id="267" r:id="rId9"/>
     <p:sldId id="268" r:id="rId10"/>
     <p:sldId id="269" r:id="rId11"/>
-    <p:sldId id="270" r:id="rId12"/>
+    <p:sldId id="271" r:id="rId12"/>
+    <p:sldId id="270" r:id="rId13"/>
   </p:sldIdLst>
   <p:sldSz cx="12192000" cy="6858000"/>
   <p:notesSz cx="7559675" cy="10691813"/>
@@ -5227,6 +5228,372 @@
                 </a:uFill>
                 <a:latin typeface="Calibri Light"/>
               </a:rPr>
+              <a:t> : </a:t>
+            </a:r>
+            <a:r>
+              <a:rPr lang="de-CH" sz="4400" strike="noStrike" spc="-1" dirty="0" err="1" smtClean="0">
+                <a:solidFill>
+                  <a:srgbClr val="000000"/>
+                </a:solidFill>
+                <a:uFill>
+                  <a:solidFill>
+                    <a:srgbClr val="FFFFFF"/>
+                  </a:solidFill>
+                </a:uFill>
+                <a:latin typeface="Calibri Light"/>
+              </a:rPr>
+              <a:t>Testing</a:t>
+            </a:r>
+            <a:endParaRPr lang="de-CH" sz="1800" strike="noStrike" spc="-1" dirty="0">
+              <a:solidFill>
+                <a:srgbClr val="000000"/>
+              </a:solidFill>
+              <a:uFill>
+                <a:solidFill>
+                  <a:srgbClr val="FFFFFF"/>
+                </a:solidFill>
+              </a:uFill>
+              <a:latin typeface="Arial"/>
+            </a:endParaRPr>
+          </a:p>
+        </p:txBody>
+      </p:sp>
+      <p:sp>
+        <p:nvSpPr>
+          <p:cNvPr id="75" name="CustomShape 2"/>
+          <p:cNvSpPr/>
+          <p:nvPr/>
+        </p:nvSpPr>
+        <p:spPr>
+          <a:xfrm>
+            <a:off x="838080" y="1825559"/>
+            <a:ext cx="10514880" cy="4509139"/>
+          </a:xfrm>
+          <a:prstGeom prst="rect">
+            <a:avLst/>
+          </a:prstGeom>
+          <a:noFill/>
+          <a:ln>
+            <a:noFill/>
+          </a:ln>
+        </p:spPr>
+        <p:style>
+          <a:lnRef idx="0">
+            <a:scrgbClr r="0" g="0" b="0"/>
+          </a:lnRef>
+          <a:fillRef idx="0">
+            <a:scrgbClr r="0" g="0" b="0"/>
+          </a:fillRef>
+          <a:effectRef idx="0">
+            <a:scrgbClr r="0" g="0" b="0"/>
+          </a:effectRef>
+          <a:fontRef idx="minor"/>
+        </p:style>
+        <p:txBody>
+          <a:bodyPr lIns="90000" tIns="45000" rIns="90000" bIns="45000"/>
+          <a:lstStyle/>
+          <a:p>
+            <a:pPr marL="228600" indent="-227880">
+              <a:lnSpc>
+                <a:spcPct val="150000"/>
+              </a:lnSpc>
+              <a:buClr>
+                <a:srgbClr val="000000"/>
+              </a:buClr>
+              <a:buFont typeface="Arial"/>
+              <a:buChar char="•"/>
+            </a:pPr>
+            <a:r>
+              <a:rPr lang="de-CH" sz="2800" spc="-1" dirty="0" smtClean="0">
+                <a:solidFill>
+                  <a:srgbClr val="000000"/>
+                </a:solidFill>
+                <a:uFill>
+                  <a:solidFill>
+                    <a:srgbClr val="FFFFFF"/>
+                  </a:solidFill>
+                </a:uFill>
+                <a:latin typeface="Arial"/>
+              </a:rPr>
+              <a:t>Grundlage V-Modell</a:t>
+            </a:r>
+            <a:endParaRPr lang="de-CH" sz="2800" spc="-1" dirty="0" smtClean="0">
+              <a:solidFill>
+                <a:srgbClr val="000000"/>
+              </a:solidFill>
+              <a:uFill>
+                <a:solidFill>
+                  <a:srgbClr val="FFFFFF"/>
+                </a:solidFill>
+              </a:uFill>
+              <a:latin typeface="Arial"/>
+            </a:endParaRPr>
+          </a:p>
+          <a:p>
+            <a:pPr marL="228600" indent="-227880">
+              <a:lnSpc>
+                <a:spcPct val="150000"/>
+              </a:lnSpc>
+              <a:buClr>
+                <a:srgbClr val="000000"/>
+              </a:buClr>
+              <a:buFont typeface="Arial"/>
+              <a:buChar char="•"/>
+            </a:pPr>
+            <a:r>
+              <a:rPr lang="de-CH" sz="2800" spc="-1" dirty="0" err="1" smtClean="0">
+                <a:solidFill>
+                  <a:srgbClr val="000000"/>
+                </a:solidFill>
+                <a:uFill>
+                  <a:solidFill>
+                    <a:srgbClr val="FFFFFF"/>
+                  </a:solidFill>
+                </a:uFill>
+                <a:latin typeface="Arial"/>
+              </a:rPr>
+              <a:t>Unittests</a:t>
+            </a:r>
+            <a:r>
+              <a:rPr lang="de-CH" sz="2800" spc="-1" dirty="0" smtClean="0">
+                <a:solidFill>
+                  <a:srgbClr val="000000"/>
+                </a:solidFill>
+                <a:uFill>
+                  <a:solidFill>
+                    <a:srgbClr val="FFFFFF"/>
+                  </a:solidFill>
+                </a:uFill>
+                <a:latin typeface="Arial"/>
+              </a:rPr>
+              <a:t> &amp; Integrationstests im ermessen des Entwicklers</a:t>
+            </a:r>
+          </a:p>
+          <a:p>
+            <a:pPr marL="228600" indent="-227880">
+              <a:lnSpc>
+                <a:spcPct val="150000"/>
+              </a:lnSpc>
+              <a:buClr>
+                <a:srgbClr val="000000"/>
+              </a:buClr>
+              <a:buFont typeface="Arial"/>
+              <a:buChar char="•"/>
+            </a:pPr>
+            <a:r>
+              <a:rPr lang="de-CH" sz="2800" spc="-1" dirty="0" smtClean="0">
+                <a:solidFill>
+                  <a:srgbClr val="000000"/>
+                </a:solidFill>
+                <a:uFill>
+                  <a:solidFill>
+                    <a:srgbClr val="FFFFFF"/>
+                  </a:solidFill>
+                </a:uFill>
+                <a:latin typeface="Arial"/>
+              </a:rPr>
+              <a:t>Systemtest mit Kundendaten</a:t>
+            </a:r>
+          </a:p>
+          <a:p>
+            <a:pPr marL="228600" indent="-227880">
+              <a:lnSpc>
+                <a:spcPct val="150000"/>
+              </a:lnSpc>
+              <a:buClr>
+                <a:srgbClr val="000000"/>
+              </a:buClr>
+              <a:buFont typeface="Arial"/>
+              <a:buChar char="•"/>
+            </a:pPr>
+            <a:r>
+              <a:rPr lang="de-CH" sz="2800" spc="-1" dirty="0" smtClean="0">
+                <a:solidFill>
+                  <a:srgbClr val="000000"/>
+                </a:solidFill>
+                <a:uFill>
+                  <a:solidFill>
+                    <a:srgbClr val="FFFFFF"/>
+                  </a:solidFill>
+                </a:uFill>
+                <a:latin typeface="Arial"/>
+              </a:rPr>
+              <a:t>Abnahmetest durch Kunde</a:t>
+            </a:r>
+            <a:endParaRPr lang="de-CH" sz="2800" spc="-1" dirty="0" smtClean="0">
+              <a:solidFill>
+                <a:srgbClr val="000000"/>
+              </a:solidFill>
+              <a:uFill>
+                <a:solidFill>
+                  <a:srgbClr val="FFFFFF"/>
+                </a:solidFill>
+              </a:uFill>
+              <a:latin typeface="Arial"/>
+            </a:endParaRPr>
+          </a:p>
+          <a:p>
+            <a:pPr marL="228600" indent="-227880">
+              <a:lnSpc>
+                <a:spcPct val="150000"/>
+              </a:lnSpc>
+              <a:buClr>
+                <a:srgbClr val="000000"/>
+              </a:buClr>
+              <a:buFont typeface="Arial"/>
+              <a:buChar char="•"/>
+            </a:pPr>
+            <a:endParaRPr lang="de-CH" sz="2800" spc="-1" dirty="0" smtClean="0">
+              <a:solidFill>
+                <a:srgbClr val="000000"/>
+              </a:solidFill>
+              <a:uFill>
+                <a:solidFill>
+                  <a:srgbClr val="FFFFFF"/>
+                </a:solidFill>
+              </a:uFill>
+              <a:latin typeface="Arial"/>
+            </a:endParaRPr>
+          </a:p>
+        </p:txBody>
+      </p:sp>
+    </p:spTree>
+    <p:extLst>
+      <p:ext uri="{BB962C8B-B14F-4D97-AF65-F5344CB8AC3E}">
+        <p14:creationId xmlns:p14="http://schemas.microsoft.com/office/powerpoint/2010/main" val="1544905346"/>
+      </p:ext>
+    </p:extLst>
+  </p:cSld>
+  <p:clrMapOvr>
+    <a:masterClrMapping/>
+  </p:clrMapOvr>
+  <p:timing>
+    <p:tnLst>
+      <p:par>
+        <p:cTn id="1" dur="indefinite" restart="never" nodeType="tmRoot">
+          <p:childTnLst>
+            <p:seq>
+              <p:cTn id="2" nodeType="mainSeq"/>
+              <p:prevCondLst>
+                <p:cond evt="onPrev" delay="0">
+                  <p:tgtEl>
+                    <p:sldTgt/>
+                  </p:tgtEl>
+                </p:cond>
+              </p:prevCondLst>
+              <p:nextCondLst>
+                <p:cond evt="onNext" delay="0">
+                  <p:tgtEl>
+                    <p:sldTgt/>
+                  </p:tgtEl>
+                </p:cond>
+              </p:nextCondLst>
+            </p:seq>
+          </p:childTnLst>
+        </p:cTn>
+      </p:par>
+    </p:tnLst>
+  </p:timing>
+</p:sld>
+</file>
+
+<file path=ppt/slides/slide11.xml><?xml version="1.0" encoding="utf-8"?>
+<p:sld xmlns:a="http://schemas.openxmlformats.org/drawingml/2006/main" xmlns:r="http://schemas.openxmlformats.org/officeDocument/2006/relationships" xmlns:p="http://schemas.openxmlformats.org/presentationml/2006/main">
+  <p:cSld>
+    <p:spTree>
+      <p:nvGrpSpPr>
+        <p:cNvPr id="1" name=""/>
+        <p:cNvGrpSpPr/>
+        <p:nvPr/>
+      </p:nvGrpSpPr>
+      <p:grpSpPr>
+        <a:xfrm>
+          <a:off x="0" y="0"/>
+          <a:ext cx="0" cy="0"/>
+          <a:chOff x="0" y="0"/>
+          <a:chExt cx="0" cy="0"/>
+        </a:xfrm>
+      </p:grpSpPr>
+      <p:sp>
+        <p:nvSpPr>
+          <p:cNvPr id="74" name="CustomShape 1"/>
+          <p:cNvSpPr/>
+          <p:nvPr/>
+        </p:nvSpPr>
+        <p:spPr>
+          <a:xfrm>
+            <a:off x="838080" y="365040"/>
+            <a:ext cx="10514880" cy="1324800"/>
+          </a:xfrm>
+          <a:prstGeom prst="rect">
+            <a:avLst/>
+          </a:prstGeom>
+          <a:noFill/>
+          <a:ln>
+            <a:noFill/>
+          </a:ln>
+        </p:spPr>
+        <p:style>
+          <a:lnRef idx="0">
+            <a:scrgbClr r="0" g="0" b="0"/>
+          </a:lnRef>
+          <a:fillRef idx="0">
+            <a:scrgbClr r="0" g="0" b="0"/>
+          </a:fillRef>
+          <a:effectRef idx="0">
+            <a:scrgbClr r="0" g="0" b="0"/>
+          </a:effectRef>
+          <a:fontRef idx="minor"/>
+        </p:style>
+        <p:txBody>
+          <a:bodyPr lIns="90000" tIns="45000" rIns="90000" bIns="45000" anchor="ctr"/>
+          <a:lstStyle/>
+          <a:p>
+            <a:pPr>
+              <a:lnSpc>
+                <a:spcPct val="90000"/>
+              </a:lnSpc>
+            </a:pPr>
+            <a:r>
+              <a:rPr lang="de-CH" sz="4400" strike="noStrike" spc="-1" dirty="0" smtClean="0">
+                <a:solidFill>
+                  <a:srgbClr val="000000"/>
+                </a:solidFill>
+                <a:uFill>
+                  <a:solidFill>
+                    <a:srgbClr val="FFFFFF"/>
+                  </a:solidFill>
+                </a:uFill>
+                <a:latin typeface="Calibri Light"/>
+              </a:rPr>
+              <a:t>CS1 Task </a:t>
+            </a:r>
+            <a:r>
+              <a:rPr lang="de-CH" sz="4400" spc="-1" dirty="0">
+                <a:solidFill>
+                  <a:srgbClr val="000000"/>
+                </a:solidFill>
+                <a:uFill>
+                  <a:solidFill>
+                    <a:srgbClr val="FFFFFF"/>
+                  </a:solidFill>
+                </a:uFill>
+                <a:latin typeface="Calibri Light"/>
+              </a:rPr>
+              <a:t>4</a:t>
+            </a:r>
+            <a:r>
+              <a:rPr lang="de-CH" sz="4400" strike="noStrike" spc="-1" dirty="0" smtClean="0">
+                <a:solidFill>
+                  <a:srgbClr val="000000"/>
+                </a:solidFill>
+                <a:uFill>
+                  <a:solidFill>
+                    <a:srgbClr val="FFFFFF"/>
+                  </a:solidFill>
+                </a:uFill>
+                <a:latin typeface="Calibri Light"/>
+              </a:rPr>
               <a:t> : System Evolution</a:t>
             </a:r>
             <a:endParaRPr lang="de-CH" sz="1800" strike="noStrike" spc="-1" dirty="0">
@@ -5494,49 +5861,7 @@
                 </a:uFill>
                 <a:latin typeface="Calibri Light"/>
               </a:rPr>
-              <a:t>CS1 Task </a:t>
-            </a:r>
-            <a:r>
-              <a:rPr lang="de-CH" sz="4400" strike="noStrike" spc="-1" dirty="0" smtClean="0">
-                <a:solidFill>
-                  <a:srgbClr val="000000"/>
-                </a:solidFill>
-                <a:uFill>
-                  <a:solidFill>
-                    <a:srgbClr val="FFFFFF"/>
-                  </a:solidFill>
-                </a:uFill>
-                <a:latin typeface="Calibri Light"/>
-              </a:rPr>
-              <a:t>4 </a:t>
-            </a:r>
-            <a:r>
-              <a:rPr lang="de-CH" sz="4400" strike="noStrike" spc="-1" dirty="0" smtClean="0">
-                <a:solidFill>
-                  <a:srgbClr val="000000"/>
-                </a:solidFill>
-                <a:uFill>
-                  <a:solidFill>
-                    <a:srgbClr val="FFFFFF"/>
-                  </a:solidFill>
-                </a:uFill>
-                <a:latin typeface="Calibri Light"/>
-              </a:rPr>
-              <a:t>: </a:t>
-            </a:r>
-            <a:r>
-              <a:rPr lang="de-CH" sz="4400" strike="noStrike" spc="-1" dirty="0" smtClean="0">
-                <a:solidFill>
-                  <a:srgbClr val="000000"/>
-                </a:solidFill>
-                <a:uFill>
-                  <a:solidFill>
-                    <a:srgbClr val="FFFFFF"/>
-                  </a:solidFill>
-                </a:uFill>
-                <a:latin typeface="Calibri Light"/>
-              </a:rPr>
-              <a:t>User </a:t>
+              <a:t>CS1 Task 4 : User </a:t>
             </a:r>
             <a:r>
               <a:rPr lang="de-CH" sz="4400" strike="noStrike" spc="-1" dirty="0" err="1" smtClean="0">
@@ -5636,6 +5961,15 @@
         <p:blipFill>
           <a:blip r:embed="rId2">
             <a:extLst>
+              <a:ext uri="{BEBA8EAE-BF5A-486C-A8C5-ECC9F3942E4B}">
+                <a14:imgProps xmlns:a14="http://schemas.microsoft.com/office/drawing/2010/main">
+                  <a14:imgLayer r:embed="rId3">
+                    <a14:imgEffect>
+                      <a14:brightnessContrast bright="20000" contrast="20000"/>
+                    </a14:imgEffect>
+                  </a14:imgLayer>
+                </a14:imgProps>
+              </a:ext>
               <a:ext uri="{28A0092B-C50C-407E-A947-70E740481C1C}">
                 <a14:useLocalDpi xmlns:a14="http://schemas.microsoft.com/office/drawing/2010/main" val="0"/>
               </a:ext>
